--- a/MVP_assignment.pptx
+++ b/MVP_assignment.pptx
@@ -11,6 +11,7 @@
     <p:sldId id="258" r:id="rId5"/>
     <p:sldId id="259" r:id="rId6"/>
     <p:sldId id="261" r:id="rId7"/>
+    <p:sldId id="262" r:id="rId8"/>
   </p:sldIdLst>
   <p:sldSz cx="12192000" cy="6858000"/>
   <p:notesSz cx="6858000" cy="9144000"/>
@@ -109,6 +110,11 @@
       </a:defRPr>
     </a:lvl9pPr>
   </p:defaultTextStyle>
+  <p:extLst>
+    <p:ext uri="{EFAFB233-063F-42B5-8137-9DF3F51BA10A}">
+      <p15:sldGuideLst xmlns:p15="http://schemas.microsoft.com/office/powerpoint/2012/main"/>
+    </p:ext>
+  </p:extLst>
 </p:presentation>
 </file>
 
@@ -3365,7 +3371,7 @@
         </p:nvSpPr>
         <p:spPr>
           <a:xfrm>
-            <a:off x="1524000" y="1714034"/>
+            <a:off x="1524000" y="799634"/>
             <a:ext cx="9144000" cy="2387600"/>
           </a:xfrm>
         </p:spPr>
@@ -3419,7 +3425,7 @@
         </p:blipFill>
         <p:spPr>
           <a:xfrm>
-            <a:off x="1944221" y="2374461"/>
+            <a:off x="1944221" y="1460061"/>
             <a:ext cx="3327026" cy="2291951"/>
           </a:xfrm>
           <a:prstGeom prst="rect">
@@ -3427,6 +3433,82 @@
           </a:prstGeom>
         </p:spPr>
       </p:pic>
+      <p:sp>
+        <p:nvSpPr>
+          <p:cNvPr id="8" name="TextBox 7">
+            <a:extLst>
+              <a:ext uri="{FF2B5EF4-FFF2-40B4-BE49-F238E27FC236}">
+                <a16:creationId xmlns:a16="http://schemas.microsoft.com/office/drawing/2014/main" id="{C4BF0CDD-57E5-D26E-4FEC-5452FBF919F7}"/>
+              </a:ext>
+            </a:extLst>
+          </p:cNvPr>
+          <p:cNvSpPr txBox="1"/>
+          <p:nvPr/>
+        </p:nvSpPr>
+        <p:spPr>
+          <a:xfrm>
+            <a:off x="6794205" y="4157330"/>
+            <a:ext cx="4093535" cy="1354217"/>
+          </a:xfrm>
+          <a:prstGeom prst="rect">
+            <a:avLst/>
+          </a:prstGeom>
+          <a:noFill/>
+        </p:spPr>
+        <p:txBody>
+          <a:bodyPr wrap="square" rtlCol="0">
+            <a:spAutoFit/>
+          </a:bodyPr>
+          <a:lstStyle/>
+          <a:p>
+            <a:r>
+              <a:rPr lang="en-US" dirty="0">
+                <a:latin typeface="Poppins Medium" pitchFamily="2" charset="77"/>
+                <a:cs typeface="Poppins Medium" pitchFamily="2" charset="77"/>
+              </a:rPr>
+              <a:t>Members:</a:t>
+            </a:r>
+            <a:endParaRPr lang="en-US" dirty="0"/>
+          </a:p>
+          <a:p>
+            <a:r>
+              <a:rPr lang="en-US" sz="1600" dirty="0"/>
+              <a:t>Mayuresh Naidu (N01661517)</a:t>
+            </a:r>
+          </a:p>
+          <a:p>
+            <a:r>
+              <a:rPr lang="en-US" sz="1600" dirty="0"/>
+              <a:t>Tarun </a:t>
+            </a:r>
+            <a:r>
+              <a:rPr lang="en-US" sz="1600" dirty="0" err="1"/>
+              <a:t>Shokeen</a:t>
+            </a:r>
+            <a:r>
+              <a:rPr lang="en-US" sz="1600" dirty="0"/>
+              <a:t> (N01716448)</a:t>
+            </a:r>
+          </a:p>
+          <a:p>
+            <a:r>
+              <a:rPr lang="en-US" sz="1600" dirty="0" err="1"/>
+              <a:t>Camoy</a:t>
+            </a:r>
+            <a:r>
+              <a:rPr lang="en-US" sz="1600"/>
+              <a:t> Phillips (N01496384)</a:t>
+            </a:r>
+            <a:endParaRPr lang="en-US" sz="1600" dirty="0"/>
+          </a:p>
+          <a:p>
+            <a:r>
+              <a:rPr lang="en-US" sz="1600" dirty="0"/>
+              <a:t>Alyssa Austin (N00422377)</a:t>
+            </a:r>
+          </a:p>
+        </p:txBody>
+      </p:sp>
     </p:spTree>
     <p:extLst>
       <p:ext uri="{BB962C8B-B14F-4D97-AF65-F5344CB8AC3E}">
@@ -4392,6 +4474,225 @@
     <p:extLst>
       <p:ext uri="{BB962C8B-B14F-4D97-AF65-F5344CB8AC3E}">
         <p14:creationId xmlns:p14="http://schemas.microsoft.com/office/powerpoint/2010/main" val="3981862056"/>
+      </p:ext>
+    </p:extLst>
+  </p:cSld>
+  <p:clrMapOvr>
+    <a:masterClrMapping/>
+  </p:clrMapOvr>
+</p:sld>
+</file>
+
+<file path=ppt/slides/slide7.xml><?xml version="1.0" encoding="utf-8"?>
+<p:sld xmlns:a="http://schemas.openxmlformats.org/drawingml/2006/main" xmlns:r="http://schemas.openxmlformats.org/officeDocument/2006/relationships" xmlns:p="http://schemas.openxmlformats.org/presentationml/2006/main">
+  <p:cSld>
+    <p:spTree>
+      <p:nvGrpSpPr>
+        <p:cNvPr id="1" name="">
+          <a:extLst>
+            <a:ext uri="{FF2B5EF4-FFF2-40B4-BE49-F238E27FC236}">
+              <a16:creationId xmlns:a16="http://schemas.microsoft.com/office/drawing/2014/main" id="{008E2F91-BB81-630E-6C5A-6586FA5B6E69}"/>
+            </a:ext>
+          </a:extLst>
+        </p:cNvPr>
+        <p:cNvGrpSpPr/>
+        <p:nvPr/>
+      </p:nvGrpSpPr>
+      <p:grpSpPr>
+        <a:xfrm>
+          <a:off x="0" y="0"/>
+          <a:ext cx="0" cy="0"/>
+          <a:chOff x="0" y="0"/>
+          <a:chExt cx="0" cy="0"/>
+        </a:xfrm>
+      </p:grpSpPr>
+      <p:sp>
+        <p:nvSpPr>
+          <p:cNvPr id="2" name="Title 1">
+            <a:extLst>
+              <a:ext uri="{FF2B5EF4-FFF2-40B4-BE49-F238E27FC236}">
+                <a16:creationId xmlns:a16="http://schemas.microsoft.com/office/drawing/2014/main" id="{88C27E6D-FD9E-2BAD-9ADA-21EF79B257AA}"/>
+              </a:ext>
+            </a:extLst>
+          </p:cNvPr>
+          <p:cNvSpPr>
+            <a:spLocks noGrp="1"/>
+          </p:cNvSpPr>
+          <p:nvPr>
+            <p:ph type="title"/>
+          </p:nvPr>
+        </p:nvSpPr>
+        <p:spPr>
+          <a:xfrm>
+            <a:off x="838200" y="152362"/>
+            <a:ext cx="10515600" cy="1325563"/>
+          </a:xfrm>
+        </p:spPr>
+        <p:txBody>
+          <a:bodyPr>
+            <a:normAutofit/>
+          </a:bodyPr>
+          <a:lstStyle/>
+          <a:p>
+            <a:pPr algn="ctr"/>
+            <a:r>
+              <a:rPr lang="en-IN" sz="3600" b="1" i="0" u="sng" dirty="0">
+                <a:effectLst/>
+                <a:latin typeface="Poppins Medium" pitchFamily="2" charset="77"/>
+                <a:cs typeface="Poppins Medium" pitchFamily="2" charset="77"/>
+              </a:rPr>
+              <a:t>Summary</a:t>
+            </a:r>
+            <a:endParaRPr lang="en-US" sz="3600" b="1" u="sng" dirty="0">
+              <a:latin typeface="Poppins Medium" pitchFamily="2" charset="77"/>
+              <a:cs typeface="Poppins Medium" pitchFamily="2" charset="77"/>
+            </a:endParaRPr>
+          </a:p>
+        </p:txBody>
+      </p:sp>
+      <p:sp>
+        <p:nvSpPr>
+          <p:cNvPr id="3" name="Content Placeholder 2">
+            <a:extLst>
+              <a:ext uri="{FF2B5EF4-FFF2-40B4-BE49-F238E27FC236}">
+                <a16:creationId xmlns:a16="http://schemas.microsoft.com/office/drawing/2014/main" id="{17C41E93-48DC-C5AB-C7A1-932F352C4876}"/>
+              </a:ext>
+            </a:extLst>
+          </p:cNvPr>
+          <p:cNvSpPr>
+            <a:spLocks noGrp="1"/>
+          </p:cNvSpPr>
+          <p:nvPr>
+            <p:ph idx="1"/>
+          </p:nvPr>
+        </p:nvSpPr>
+        <p:spPr>
+          <a:xfrm>
+            <a:off x="838200" y="1477924"/>
+            <a:ext cx="10515600" cy="5082363"/>
+          </a:xfrm>
+        </p:spPr>
+        <p:txBody>
+          <a:bodyPr>
+            <a:noAutofit/>
+          </a:bodyPr>
+          <a:lstStyle/>
+          <a:p>
+            <a:r>
+              <a:rPr lang="en-IN" sz="1800" dirty="0"/>
+              <a:t>The presentation outlines the Minimum Viable Product (MVP) for </a:t>
+            </a:r>
+            <a:r>
+              <a:rPr lang="en-IN" sz="1800" b="1" dirty="0"/>
+              <a:t>YouTube</a:t>
+            </a:r>
+            <a:r>
+              <a:rPr lang="en-IN" sz="1800" dirty="0"/>
+              <a:t>, focusing on its basic functionalities. MVP highlights the fundamental features necessary for a video-sharing platform created by Mayuresh Naidu, Tarun </a:t>
+            </a:r>
+            <a:r>
+              <a:rPr lang="en-IN" sz="1800" dirty="0" err="1"/>
+              <a:t>Shokeen</a:t>
+            </a:r>
+            <a:r>
+              <a:rPr lang="en-IN" sz="1800" dirty="0"/>
+              <a:t>, </a:t>
+            </a:r>
+            <a:r>
+              <a:rPr lang="en-IN" sz="1800" dirty="0" err="1"/>
+              <a:t>Camoy</a:t>
+            </a:r>
+            <a:r>
+              <a:rPr lang="en-IN" sz="1800" dirty="0"/>
+              <a:t> Phillips, and Alyssa Austin.</a:t>
+            </a:r>
+          </a:p>
+          <a:p>
+            <a:r>
+              <a:rPr lang="en-IN" sz="1800" dirty="0"/>
+              <a:t>Key features include video uploading, playback, search functionality, user engagement (likes and comments), and content moderation. Registered users can upload videos, edit or delete their content, and interact by liking and commenting on videos. Unregistered users have limited access, allowing them to watch videos, search for content, and share links but not engage further.</a:t>
+            </a:r>
+          </a:p>
+          <a:p>
+            <a:r>
+              <a:rPr lang="en-IN" sz="1800" dirty="0"/>
+              <a:t>The platform differentiates between </a:t>
+            </a:r>
+            <a:r>
+              <a:rPr lang="en-IN" sz="1800" b="1" dirty="0"/>
+              <a:t>registered </a:t>
+            </a:r>
+            <a:r>
+              <a:rPr lang="en-IN" sz="1800" dirty="0"/>
+              <a:t>and</a:t>
+            </a:r>
+            <a:r>
+              <a:rPr lang="en-IN" sz="1800" b="1" dirty="0"/>
+              <a:t> unregistered users</a:t>
+            </a:r>
+            <a:r>
+              <a:rPr lang="en-IN" sz="1800" dirty="0"/>
+              <a:t>. Registered are both </a:t>
+            </a:r>
+            <a:r>
+              <a:rPr lang="en-IN" sz="1800" b="1" dirty="0"/>
+              <a:t>creators </a:t>
+            </a:r>
+            <a:r>
+              <a:rPr lang="en-IN" sz="1800" dirty="0"/>
+              <a:t>and</a:t>
+            </a:r>
+            <a:r>
+              <a:rPr lang="en-IN" sz="1800" b="1" dirty="0"/>
+              <a:t> viewers</a:t>
+            </a:r>
+            <a:r>
+              <a:rPr lang="en-IN" sz="1800" dirty="0"/>
+              <a:t>, with full control over their uploaded content. Unregistered users function solely as </a:t>
+            </a:r>
+            <a:r>
+              <a:rPr lang="en-IN" sz="1800" b="1" dirty="0"/>
+              <a:t>viewers</a:t>
+            </a:r>
+            <a:r>
+              <a:rPr lang="en-IN" sz="1800" dirty="0"/>
+              <a:t>.</a:t>
+            </a:r>
+          </a:p>
+          <a:p>
+            <a:r>
+              <a:rPr lang="en-IN" sz="1800" dirty="0"/>
+              <a:t>User stories define the primary user experiences. </a:t>
+            </a:r>
+            <a:r>
+              <a:rPr lang="en-IN" sz="1800" b="1" dirty="0"/>
+              <a:t>Unregistered users</a:t>
+            </a:r>
+            <a:r>
+              <a:rPr lang="en-IN" sz="1800" dirty="0"/>
+              <a:t> want to watch videos without signing up and share video links with others. </a:t>
+            </a:r>
+            <a:r>
+              <a:rPr lang="en-IN" sz="1800" b="1" dirty="0"/>
+              <a:t>Registered users</a:t>
+            </a:r>
+            <a:r>
+              <a:rPr lang="en-IN" sz="1800" dirty="0"/>
+              <a:t> want to upload and manage their videos, like and comment on content, and edit or delete their uploads.</a:t>
+            </a:r>
+          </a:p>
+          <a:p>
+            <a:r>
+              <a:rPr lang="en-IN" sz="1800" dirty="0"/>
+              <a:t>The MVP aims to provide basic functions to all users. It captures YouTube’s early focus on user-generated content, video playback, and simple content management.</a:t>
+            </a:r>
+          </a:p>
+        </p:txBody>
+      </p:sp>
+    </p:spTree>
+    <p:extLst>
+      <p:ext uri="{BB962C8B-B14F-4D97-AF65-F5344CB8AC3E}">
+        <p14:creationId xmlns:p14="http://schemas.microsoft.com/office/powerpoint/2010/main" val="2624329045"/>
       </p:ext>
     </p:extLst>
   </p:cSld>
